--- a/1.pptx
+++ b/1.pptx
@@ -3165,8 +3165,8 @@
           <a:lstStyle/>
           <a:p>
             <a:r>
-              <a:rPr lang="hu-HU" dirty="0" smtClean="0"/>
-              <a:t>2025.09.09.</a:t>
+              <a:rPr lang="hu-HU" smtClean="0"/>
+              <a:t>2025.09.11.</a:t>
             </a:r>
             <a:endParaRPr lang="hu-HU" dirty="0" smtClean="0"/>
           </a:p>
@@ -7171,15 +7171,7 @@
             </a:r>
             <a:r>
               <a:rPr lang="hu-HU" dirty="0" smtClean="0"/>
-              <a:t>forradalma (</a:t>
-            </a:r>
-            <a:r>
-              <a:rPr lang="hu-HU" dirty="0" smtClean="0"/>
-              <a:t>2020–22</a:t>
-            </a:r>
-            <a:r>
-              <a:rPr lang="hu-HU" dirty="0" smtClean="0"/>
-              <a:t>): </a:t>
+              <a:t>forradalma (2020–22): </a:t>
             </a:r>
             <a:r>
               <a:rPr lang="hu-HU" dirty="0"/>
